--- a/04_text_minning_with_stack_ELK/class/2022-06-01 Estrutura Interna, Indexação e Recuperação de Documentos.pptx
+++ b/04_text_minning_with_stack_ELK/class/2022-06-01 Estrutura Interna, Indexação e Recuperação de Documentos.pptx
@@ -21050,7 +21050,7 @@
             <a:tbl>
               <a:tblPr>
                 <a:noFill/>
-                <a:tableStyleId>{C7640545-7E32-4551-BCD1-3B964E721103}</a:tableStyleId>
+                <a:tableStyleId>{1A9DB362-EDF1-486B-9C7D-9412DF9E1E7C}</a:tableStyleId>
               </a:tblPr>
               <a:tblGrid>
                 <a:gridCol w="4103175"/>
@@ -25429,9 +25429,9 @@
 </file>
 
 <file path=ppt/theme/theme1.xml><?xml version="1.0" encoding="utf-8"?>
-<a:theme xmlns:a="http://schemas.openxmlformats.org/drawingml/2006/main" xmlns:r="http://schemas.openxmlformats.org/officeDocument/2006/relationships" name="Tema do Felipe">
+<a:theme xmlns:a="http://schemas.openxmlformats.org/drawingml/2006/main" xmlns:r="http://schemas.openxmlformats.org/officeDocument/2006/relationships">
   <a:themeElements>
-    <a:clrScheme name="Simple Light">
+    <a:clrScheme name="Default">
       <a:dk1>
         <a:srgbClr val="000000"/>
       </a:dk1>
@@ -25439,34 +25439,34 @@
         <a:srgbClr val="FFFFFF"/>
       </a:lt1>
       <a:dk2>
-        <a:srgbClr val="595959"/>
+        <a:srgbClr val="158158"/>
       </a:dk2>
       <a:lt2>
-        <a:srgbClr val="EEEEEE"/>
+        <a:srgbClr val="F3F3F3"/>
       </a:lt2>
       <a:accent1>
-        <a:srgbClr val="FFAB40"/>
+        <a:srgbClr val="058DC7"/>
       </a:accent1>
       <a:accent2>
-        <a:srgbClr val="212121"/>
+        <a:srgbClr val="50B432"/>
       </a:accent2>
       <a:accent3>
-        <a:srgbClr val="78909C"/>
+        <a:srgbClr val="ED561B"/>
       </a:accent3>
       <a:accent4>
-        <a:srgbClr val="FFAB40"/>
+        <a:srgbClr val="EDEF00"/>
       </a:accent4>
       <a:accent5>
-        <a:srgbClr val="0097A7"/>
+        <a:srgbClr val="24CBE5"/>
       </a:accent5>
       <a:accent6>
-        <a:srgbClr val="EEFF41"/>
+        <a:srgbClr val="64E572"/>
       </a:accent6>
       <a:hlink>
-        <a:srgbClr val="0097A7"/>
+        <a:srgbClr val="2200CC"/>
       </a:hlink>
       <a:folHlink>
-        <a:srgbClr val="0097A7"/>
+        <a:srgbClr val="551A8B"/>
       </a:folHlink>
     </a:clrScheme>
     <a:fontScheme name="Office">
@@ -25708,9 +25708,9 @@
 </file>
 
 <file path=ppt/theme/theme2.xml><?xml version="1.0" encoding="utf-8"?>
-<a:theme xmlns:a="http://schemas.openxmlformats.org/drawingml/2006/main" xmlns:r="http://schemas.openxmlformats.org/officeDocument/2006/relationships">
+<a:theme xmlns:a="http://schemas.openxmlformats.org/drawingml/2006/main" xmlns:r="http://schemas.openxmlformats.org/officeDocument/2006/relationships" name="Tema do Felipe">
   <a:themeElements>
-    <a:clrScheme name="Default">
+    <a:clrScheme name="Simple Light">
       <a:dk1>
         <a:srgbClr val="000000"/>
       </a:dk1>
@@ -25718,34 +25718,34 @@
         <a:srgbClr val="FFFFFF"/>
       </a:lt1>
       <a:dk2>
-        <a:srgbClr val="158158"/>
+        <a:srgbClr val="595959"/>
       </a:dk2>
       <a:lt2>
-        <a:srgbClr val="F3F3F3"/>
+        <a:srgbClr val="EEEEEE"/>
       </a:lt2>
       <a:accent1>
-        <a:srgbClr val="058DC7"/>
+        <a:srgbClr val="FFAB40"/>
       </a:accent1>
       <a:accent2>
-        <a:srgbClr val="50B432"/>
+        <a:srgbClr val="212121"/>
       </a:accent2>
       <a:accent3>
-        <a:srgbClr val="ED561B"/>
+        <a:srgbClr val="78909C"/>
       </a:accent3>
       <a:accent4>
-        <a:srgbClr val="EDEF00"/>
+        <a:srgbClr val="FFAB40"/>
       </a:accent4>
       <a:accent5>
-        <a:srgbClr val="24CBE5"/>
+        <a:srgbClr val="0097A7"/>
       </a:accent5>
       <a:accent6>
-        <a:srgbClr val="64E572"/>
+        <a:srgbClr val="EEFF41"/>
       </a:accent6>
       <a:hlink>
-        <a:srgbClr val="2200CC"/>
+        <a:srgbClr val="0097A7"/>
       </a:hlink>
       <a:folHlink>
-        <a:srgbClr val="551A8B"/>
+        <a:srgbClr val="0097A7"/>
       </a:folHlink>
     </a:clrScheme>
     <a:fontScheme name="Office">
